--- a/Week14/04 Pet Park - Update Contributor.pptx
+++ b/Week14/04 Pet Park - Update Contributor.pptx
@@ -115,6 +115,35 @@
 </p:presentation>
 </file>
 
+<file path=ppt/changesInfos/changesInfo1.xml><?xml version="1.0" encoding="utf-8"?>
+<pc:chgInfo xmlns:a="http://schemas.openxmlformats.org/drawingml/2006/main" xmlns:r="http://schemas.openxmlformats.org/officeDocument/2006/relationships" xmlns:ac="http://schemas.microsoft.com/office/drawing/2013/main/command" xmlns:pc="http://schemas.microsoft.com/office/powerpoint/2013/main/command">
+  <pc:docChgLst>
+    <pc:chgData name="Chuck Kiefriter" userId="a996b49251c4dfd2" providerId="LiveId" clId="{DFCAFF7D-A287-487E-B74B-96932DF857A1}"/>
+    <pc:docChg chg="custSel modSld">
+      <pc:chgData name="Chuck Kiefriter" userId="a996b49251c4dfd2" providerId="LiveId" clId="{DFCAFF7D-A287-487E-B74B-96932DF857A1}" dt="2024-03-19T23:43:24.091" v="1" actId="27636"/>
+      <pc:docMkLst>
+        <pc:docMk/>
+      </pc:docMkLst>
+      <pc:sldChg chg="modSp mod">
+        <pc:chgData name="Chuck Kiefriter" userId="a996b49251c4dfd2" providerId="LiveId" clId="{DFCAFF7D-A287-487E-B74B-96932DF857A1}" dt="2024-03-19T23:43:24.091" v="1" actId="27636"/>
+        <pc:sldMkLst>
+          <pc:docMk/>
+          <pc:sldMk cId="936045779" sldId="257"/>
+        </pc:sldMkLst>
+        <pc:spChg chg="mod">
+          <ac:chgData name="Chuck Kiefriter" userId="a996b49251c4dfd2" providerId="LiveId" clId="{DFCAFF7D-A287-487E-B74B-96932DF857A1}" dt="2024-03-19T23:43:24.091" v="1" actId="27636"/>
+          <ac:spMkLst>
+            <pc:docMk/>
+            <pc:sldMk cId="936045779" sldId="257"/>
+            <ac:spMk id="3" creationId="{714B867D-48CD-0719-5D71-B283CCA0E2B8}"/>
+          </ac:spMkLst>
+        </pc:spChg>
+      </pc:sldChg>
+    </pc:docChg>
+  </pc:docChgLst>
+</pc:chgInfo>
+</file>
+
 <file path=ppt/slideLayouts/slideLayout1.xml><?xml version="1.0" encoding="utf-8"?>
 <p:sldLayout xmlns:a="http://schemas.openxmlformats.org/drawingml/2006/main" xmlns:r="http://schemas.openxmlformats.org/officeDocument/2006/relationships" xmlns:p="http://schemas.openxmlformats.org/presentationml/2006/main" type="title" preserve="1">
   <p:cSld name="Title Slide">
@@ -246,7 +275,7 @@
           <a:p>
             <a:fld id="{B8260833-364D-4F8F-B5A5-CEF90421E806}" type="datetimeFigureOut">
               <a:rPr lang="en-US" smtClean="0"/>
-              <a:t>10/17/2022</a:t>
+              <a:t>3/19/2024</a:t>
             </a:fld>
             <a:endParaRPr lang="en-US"/>
           </a:p>
@@ -416,7 +445,7 @@
           <a:p>
             <a:fld id="{B8260833-364D-4F8F-B5A5-CEF90421E806}" type="datetimeFigureOut">
               <a:rPr lang="en-US" smtClean="0"/>
-              <a:t>10/17/2022</a:t>
+              <a:t>3/19/2024</a:t>
             </a:fld>
             <a:endParaRPr lang="en-US"/>
           </a:p>
@@ -596,7 +625,7 @@
           <a:p>
             <a:fld id="{B8260833-364D-4F8F-B5A5-CEF90421E806}" type="datetimeFigureOut">
               <a:rPr lang="en-US" smtClean="0"/>
-              <a:t>10/17/2022</a:t>
+              <a:t>3/19/2024</a:t>
             </a:fld>
             <a:endParaRPr lang="en-US"/>
           </a:p>
@@ -766,7 +795,7 @@
           <a:p>
             <a:fld id="{B8260833-364D-4F8F-B5A5-CEF90421E806}" type="datetimeFigureOut">
               <a:rPr lang="en-US" smtClean="0"/>
-              <a:t>10/17/2022</a:t>
+              <a:t>3/19/2024</a:t>
             </a:fld>
             <a:endParaRPr lang="en-US"/>
           </a:p>
@@ -1012,7 +1041,7 @@
           <a:p>
             <a:fld id="{B8260833-364D-4F8F-B5A5-CEF90421E806}" type="datetimeFigureOut">
               <a:rPr lang="en-US" smtClean="0"/>
-              <a:t>10/17/2022</a:t>
+              <a:t>3/19/2024</a:t>
             </a:fld>
             <a:endParaRPr lang="en-US"/>
           </a:p>
@@ -1244,7 +1273,7 @@
           <a:p>
             <a:fld id="{B8260833-364D-4F8F-B5A5-CEF90421E806}" type="datetimeFigureOut">
               <a:rPr lang="en-US" smtClean="0"/>
-              <a:t>10/17/2022</a:t>
+              <a:t>3/19/2024</a:t>
             </a:fld>
             <a:endParaRPr lang="en-US"/>
           </a:p>
@@ -1611,7 +1640,7 @@
           <a:p>
             <a:fld id="{B8260833-364D-4F8F-B5A5-CEF90421E806}" type="datetimeFigureOut">
               <a:rPr lang="en-US" smtClean="0"/>
-              <a:t>10/17/2022</a:t>
+              <a:t>3/19/2024</a:t>
             </a:fld>
             <a:endParaRPr lang="en-US"/>
           </a:p>
@@ -1729,7 +1758,7 @@
           <a:p>
             <a:fld id="{B8260833-364D-4F8F-B5A5-CEF90421E806}" type="datetimeFigureOut">
               <a:rPr lang="en-US" smtClean="0"/>
-              <a:t>10/17/2022</a:t>
+              <a:t>3/19/2024</a:t>
             </a:fld>
             <a:endParaRPr lang="en-US"/>
           </a:p>
@@ -1824,7 +1853,7 @@
           <a:p>
             <a:fld id="{B8260833-364D-4F8F-B5A5-CEF90421E806}" type="datetimeFigureOut">
               <a:rPr lang="en-US" smtClean="0"/>
-              <a:t>10/17/2022</a:t>
+              <a:t>3/19/2024</a:t>
             </a:fld>
             <a:endParaRPr lang="en-US"/>
           </a:p>
@@ -2101,7 +2130,7 @@
           <a:p>
             <a:fld id="{B8260833-364D-4F8F-B5A5-CEF90421E806}" type="datetimeFigureOut">
               <a:rPr lang="en-US" smtClean="0"/>
-              <a:t>10/17/2022</a:t>
+              <a:t>3/19/2024</a:t>
             </a:fld>
             <a:endParaRPr lang="en-US"/>
           </a:p>
@@ -2358,7 +2387,7 @@
           <a:p>
             <a:fld id="{B8260833-364D-4F8F-B5A5-CEF90421E806}" type="datetimeFigureOut">
               <a:rPr lang="en-US" smtClean="0"/>
-              <a:t>10/17/2022</a:t>
+              <a:t>3/19/2024</a:t>
             </a:fld>
             <a:endParaRPr lang="en-US"/>
           </a:p>
@@ -2571,7 +2600,7 @@
           <a:p>
             <a:fld id="{B8260833-364D-4F8F-B5A5-CEF90421E806}" type="datetimeFigureOut">
               <a:rPr lang="en-US" smtClean="0"/>
-              <a:t>10/17/2022</a:t>
+              <a:t>3/19/2024</a:t>
             </a:fld>
             <a:endParaRPr lang="en-US"/>
           </a:p>
@@ -3134,12 +3163,12 @@
         <p:spPr>
           <a:xfrm>
             <a:off x="838200" y="1825625"/>
-            <a:ext cx="4969042" cy="4351338"/>
+            <a:ext cx="10847832" cy="4351338"/>
           </a:xfrm>
         </p:spPr>
         <p:txBody>
           <a:bodyPr>
-            <a:normAutofit lnSpcReduction="10000"/>
+            <a:normAutofit/>
           </a:bodyPr>
           <a:lstStyle/>
           <a:p>
